--- a/Tanzanizan Water Well.pptx
+++ b/Tanzanizan Water Well.pptx
@@ -220,7 +220,7 @@
           <a:p>
             <a:fld id="{27DB5A6A-1371-5146-AEA0-9F3E6E323E0A}" type="datetimeFigureOut">
               <a:rPr lang="en-US" smtClean="0"/>
-              <a:t>10/20/20</a:t>
+              <a:t>10/21/20</a:t>
             </a:fld>
             <a:endParaRPr lang="en-US"/>
           </a:p>
@@ -1187,7 +1187,7 @@
           <a:p>
             <a:fld id="{C92E1818-21AF-3F43-93C1-E522F1923028}" type="datetimeFigureOut">
               <a:rPr lang="en-US" smtClean="0"/>
-              <a:t>10/20/20</a:t>
+              <a:t>10/21/20</a:t>
             </a:fld>
             <a:endParaRPr lang="en-US"/>
           </a:p>
@@ -1385,7 +1385,7 @@
           <a:p>
             <a:fld id="{C92E1818-21AF-3F43-93C1-E522F1923028}" type="datetimeFigureOut">
               <a:rPr lang="en-US" smtClean="0"/>
-              <a:t>10/20/20</a:t>
+              <a:t>10/21/20</a:t>
             </a:fld>
             <a:endParaRPr lang="en-US"/>
           </a:p>
@@ -1593,7 +1593,7 @@
           <a:p>
             <a:fld id="{C92E1818-21AF-3F43-93C1-E522F1923028}" type="datetimeFigureOut">
               <a:rPr lang="en-US" smtClean="0"/>
-              <a:t>10/20/20</a:t>
+              <a:t>10/21/20</a:t>
             </a:fld>
             <a:endParaRPr lang="en-US"/>
           </a:p>
@@ -1791,7 +1791,7 @@
           <a:p>
             <a:fld id="{C92E1818-21AF-3F43-93C1-E522F1923028}" type="datetimeFigureOut">
               <a:rPr lang="en-US" smtClean="0"/>
-              <a:t>10/20/20</a:t>
+              <a:t>10/21/20</a:t>
             </a:fld>
             <a:endParaRPr lang="en-US"/>
           </a:p>
@@ -2066,7 +2066,7 @@
           <a:p>
             <a:fld id="{C92E1818-21AF-3F43-93C1-E522F1923028}" type="datetimeFigureOut">
               <a:rPr lang="en-US" smtClean="0"/>
-              <a:t>10/20/20</a:t>
+              <a:t>10/21/20</a:t>
             </a:fld>
             <a:endParaRPr lang="en-US"/>
           </a:p>
@@ -2331,7 +2331,7 @@
           <a:p>
             <a:fld id="{C92E1818-21AF-3F43-93C1-E522F1923028}" type="datetimeFigureOut">
               <a:rPr lang="en-US" smtClean="0"/>
-              <a:t>10/20/20</a:t>
+              <a:t>10/21/20</a:t>
             </a:fld>
             <a:endParaRPr lang="en-US"/>
           </a:p>
@@ -2743,7 +2743,7 @@
           <a:p>
             <a:fld id="{C92E1818-21AF-3F43-93C1-E522F1923028}" type="datetimeFigureOut">
               <a:rPr lang="en-US" smtClean="0"/>
-              <a:t>10/20/20</a:t>
+              <a:t>10/21/20</a:t>
             </a:fld>
             <a:endParaRPr lang="en-US"/>
           </a:p>
@@ -2884,7 +2884,7 @@
           <a:p>
             <a:fld id="{C92E1818-21AF-3F43-93C1-E522F1923028}" type="datetimeFigureOut">
               <a:rPr lang="en-US" smtClean="0"/>
-              <a:t>10/20/20</a:t>
+              <a:t>10/21/20</a:t>
             </a:fld>
             <a:endParaRPr lang="en-US"/>
           </a:p>
@@ -2997,7 +2997,7 @@
           <a:p>
             <a:fld id="{C92E1818-21AF-3F43-93C1-E522F1923028}" type="datetimeFigureOut">
               <a:rPr lang="en-US" smtClean="0"/>
-              <a:t>10/20/20</a:t>
+              <a:t>10/21/20</a:t>
             </a:fld>
             <a:endParaRPr lang="en-US"/>
           </a:p>
@@ -3308,7 +3308,7 @@
           <a:p>
             <a:fld id="{C92E1818-21AF-3F43-93C1-E522F1923028}" type="datetimeFigureOut">
               <a:rPr lang="en-US" smtClean="0"/>
-              <a:t>10/20/20</a:t>
+              <a:t>10/21/20</a:t>
             </a:fld>
             <a:endParaRPr lang="en-US"/>
           </a:p>
@@ -3596,7 +3596,7 @@
           <a:p>
             <a:fld id="{C92E1818-21AF-3F43-93C1-E522F1923028}" type="datetimeFigureOut">
               <a:rPr lang="en-US" smtClean="0"/>
-              <a:t>10/20/20</a:t>
+              <a:t>10/21/20</a:t>
             </a:fld>
             <a:endParaRPr lang="en-US"/>
           </a:p>
@@ -3842,7 +3842,7 @@
             <a:fld id="{C92E1818-21AF-3F43-93C1-E522F1923028}" type="datetimeFigureOut">
               <a:rPr lang="en-US" smtClean="0"/>
               <a:pPr/>
-              <a:t>10/20/20</a:t>
+              <a:t>10/21/20</a:t>
             </a:fld>
             <a:endParaRPr lang="en-US"/>
           </a:p>
@@ -5810,7 +5810,15 @@
           <a:p>
             <a:r>
               <a:rPr lang="en-US" dirty="0"/>
-              <a:t>Features correlated with wells in need of maintenance</a:t>
+              <a:t>Features correlated </a:t>
+            </a:r>
+            <a:r>
+              <a:rPr lang="en-US"/>
+              <a:t>with water wells </a:t>
+            </a:r>
+            <a:r>
+              <a:rPr lang="en-US" dirty="0"/>
+              <a:t>in need of maintenance</a:t>
             </a:r>
           </a:p>
           <a:p>
@@ -5819,7 +5827,19 @@
             </a:pPr>
             <a:r>
               <a:rPr lang="en-US" dirty="0"/>
-              <a:t>[1] Installer: Government and RWE installers</a:t>
+              <a:t>[1] </a:t>
+            </a:r>
+            <a:r>
+              <a:rPr lang="en-US" dirty="0">
+                <a:solidFill>
+                  <a:srgbClr val="FFFF00"/>
+                </a:solidFill>
+              </a:rPr>
+              <a:t>Installer: </a:t>
+            </a:r>
+            <a:r>
+              <a:rPr lang="en-US" dirty="0"/>
+              <a:t>Government and RWE installers</a:t>
             </a:r>
           </a:p>
           <a:p>
@@ -5828,7 +5848,19 @@
             </a:pPr>
             <a:r>
               <a:rPr lang="en-US" dirty="0"/>
-              <a:t>[2] Water quantity: Dry and unknown quantities</a:t>
+              <a:t>[2] </a:t>
+            </a:r>
+            <a:r>
+              <a:rPr lang="en-US" dirty="0">
+                <a:solidFill>
+                  <a:srgbClr val="FFFF00"/>
+                </a:solidFill>
+              </a:rPr>
+              <a:t>Water quantity</a:t>
+            </a:r>
+            <a:r>
+              <a:rPr lang="en-US" dirty="0"/>
+              <a:t>: Dry and unknown quantities</a:t>
             </a:r>
           </a:p>
           <a:p>
@@ -5837,7 +5869,19 @@
             </a:pPr>
             <a:r>
               <a:rPr lang="en-US" dirty="0"/>
-              <a:t>[3] Funder: Government and </a:t>
+              <a:t>[3] </a:t>
+            </a:r>
+            <a:r>
+              <a:rPr lang="en-US" dirty="0">
+                <a:solidFill>
+                  <a:srgbClr val="FFFF00"/>
+                </a:solidFill>
+              </a:rPr>
+              <a:t>Funder: </a:t>
+            </a:r>
+            <a:r>
+              <a:rPr lang="en-US" dirty="0"/>
+              <a:t>Government and </a:t>
             </a:r>
             <a:r>
               <a:rPr lang="en-US" dirty="0" err="1"/>
@@ -5854,7 +5898,19 @@
             </a:pPr>
             <a:r>
               <a:rPr lang="en-US" dirty="0"/>
-              <a:t>[4] Extraction type: other than gravity type</a:t>
+              <a:t>[4] </a:t>
+            </a:r>
+            <a:r>
+              <a:rPr lang="en-US" dirty="0">
+                <a:solidFill>
+                  <a:srgbClr val="FFFF00"/>
+                </a:solidFill>
+              </a:rPr>
+              <a:t>Extraction type: </a:t>
+            </a:r>
+            <a:r>
+              <a:rPr lang="en-US" dirty="0"/>
+              <a:t>other than gravity type</a:t>
             </a:r>
           </a:p>
           <a:p>
@@ -5863,7 +5919,19 @@
             </a:pPr>
             <a:r>
               <a:rPr lang="en-US" dirty="0"/>
-              <a:t>[5] Payment: no payment for usage</a:t>
+              <a:t>[5] </a:t>
+            </a:r>
+            <a:r>
+              <a:rPr lang="en-US" dirty="0">
+                <a:solidFill>
+                  <a:srgbClr val="FFFF00"/>
+                </a:solidFill>
+              </a:rPr>
+              <a:t>Payment: </a:t>
+            </a:r>
+            <a:r>
+              <a:rPr lang="en-US" dirty="0"/>
+              <a:t>no payment for usage</a:t>
             </a:r>
           </a:p>
           <a:p>
@@ -5872,7 +5940,19 @@
             </a:pPr>
             <a:r>
               <a:rPr lang="en-US" dirty="0"/>
-              <a:t>[6] Management: VWC management</a:t>
+              <a:t>[6] </a:t>
+            </a:r>
+            <a:r>
+              <a:rPr lang="en-US" dirty="0">
+                <a:solidFill>
+                  <a:srgbClr val="FFFF00"/>
+                </a:solidFill>
+              </a:rPr>
+              <a:t>Management: </a:t>
+            </a:r>
+            <a:r>
+              <a:rPr lang="en-US" dirty="0"/>
+              <a:t>VWC management</a:t>
             </a:r>
           </a:p>
           <a:p>
@@ -5881,7 +5961,19 @@
             </a:pPr>
             <a:r>
               <a:rPr lang="en-US" dirty="0"/>
-              <a:t>[7] Neighboring: highly dense non-functioning wells area</a:t>
+              <a:t>[7] </a:t>
+            </a:r>
+            <a:r>
+              <a:rPr lang="en-US" dirty="0">
+                <a:solidFill>
+                  <a:srgbClr val="FFFF00"/>
+                </a:solidFill>
+              </a:rPr>
+              <a:t>Neighboring: </a:t>
+            </a:r>
+            <a:r>
+              <a:rPr lang="en-US" dirty="0"/>
+              <a:t>highly dense non-functioning wells area</a:t>
             </a:r>
           </a:p>
         </p:txBody>
